--- a/PRESENTATION ON PHP AJAX LIVE SEARCHING.pptx
+++ b/PRESENTATION ON PHP AJAX LIVE SEARCHING.pptx
@@ -9,6 +9,8 @@
     <p:sldId id="257" r:id="rId3"/>
     <p:sldId id="258" r:id="rId4"/>
     <p:sldId id="259" r:id="rId5"/>
+    <p:sldId id="260" r:id="rId6"/>
+    <p:sldId id="261" r:id="rId7"/>
   </p:sldIdLst>
   <p:sldSz cx="9144000" cy="6858000" type="screen4x3"/>
   <p:notesSz cx="6858000" cy="9144000"/>
@@ -244,7 +246,8 @@
           <a:p>
             <a:fld id="{B52AE22E-9483-43BC-BF1D-ABBB424E1F58}" type="datetimeFigureOut">
               <a:rPr lang="en-IN" smtClean="0"/>
-              <a:t>06-11-2018</a:t>
+              <a:pPr/>
+              <a:t>08-11-2018</a:t>
             </a:fld>
             <a:endParaRPr lang="en-IN"/>
           </a:p>
@@ -290,6 +293,7 @@
           <a:p>
             <a:fld id="{2C9110E7-B922-4C82-8B09-FC6D1E3636C4}" type="slidenum">
               <a:rPr lang="en-IN" smtClean="0"/>
+              <a:pPr/>
               <a:t>‹#›</a:t>
             </a:fld>
             <a:endParaRPr lang="en-IN"/>
@@ -557,7 +561,8 @@
           <a:p>
             <a:fld id="{B52AE22E-9483-43BC-BF1D-ABBB424E1F58}" type="datetimeFigureOut">
               <a:rPr lang="en-IN" smtClean="0"/>
-              <a:t>06-11-2018</a:t>
+              <a:pPr/>
+              <a:t>08-11-2018</a:t>
             </a:fld>
             <a:endParaRPr lang="en-IN"/>
           </a:p>
@@ -603,6 +608,7 @@
           <a:p>
             <a:fld id="{2C9110E7-B922-4C82-8B09-FC6D1E3636C4}" type="slidenum">
               <a:rPr lang="en-IN" smtClean="0"/>
+              <a:pPr/>
               <a:t>‹#›</a:t>
             </a:fld>
             <a:endParaRPr lang="en-IN"/>
@@ -742,7 +748,8 @@
           <a:p>
             <a:fld id="{B52AE22E-9483-43BC-BF1D-ABBB424E1F58}" type="datetimeFigureOut">
               <a:rPr lang="en-IN" smtClean="0"/>
-              <a:t>06-11-2018</a:t>
+              <a:pPr/>
+              <a:t>08-11-2018</a:t>
             </a:fld>
             <a:endParaRPr lang="en-IN"/>
           </a:p>
@@ -788,6 +795,7 @@
           <a:p>
             <a:fld id="{2C9110E7-B922-4C82-8B09-FC6D1E3636C4}" type="slidenum">
               <a:rPr lang="en-IN" smtClean="0"/>
+              <a:pPr/>
               <a:t>‹#›</a:t>
             </a:fld>
             <a:endParaRPr lang="en-IN"/>
@@ -917,7 +925,8 @@
           <a:p>
             <a:fld id="{B52AE22E-9483-43BC-BF1D-ABBB424E1F58}" type="datetimeFigureOut">
               <a:rPr lang="en-IN" smtClean="0"/>
-              <a:t>06-11-2018</a:t>
+              <a:pPr/>
+              <a:t>08-11-2018</a:t>
             </a:fld>
             <a:endParaRPr lang="en-IN"/>
           </a:p>
@@ -963,6 +972,7 @@
           <a:p>
             <a:fld id="{2C9110E7-B922-4C82-8B09-FC6D1E3636C4}" type="slidenum">
               <a:rPr lang="en-IN" smtClean="0"/>
+              <a:pPr/>
               <a:t>‹#›</a:t>
             </a:fld>
             <a:endParaRPr lang="en-IN"/>
@@ -1185,7 +1195,8 @@
           <a:p>
             <a:fld id="{B52AE22E-9483-43BC-BF1D-ABBB424E1F58}" type="datetimeFigureOut">
               <a:rPr lang="en-IN" smtClean="0"/>
-              <a:t>06-11-2018</a:t>
+              <a:pPr/>
+              <a:t>08-11-2018</a:t>
             </a:fld>
             <a:endParaRPr lang="en-IN"/>
           </a:p>
@@ -1231,6 +1242,7 @@
           <a:p>
             <a:fld id="{2C9110E7-B922-4C82-8B09-FC6D1E3636C4}" type="slidenum">
               <a:rPr lang="en-IN" smtClean="0"/>
+              <a:pPr/>
               <a:t>‹#›</a:t>
             </a:fld>
             <a:endParaRPr lang="en-IN"/>
@@ -1653,7 +1665,8 @@
           <a:p>
             <a:fld id="{B52AE22E-9483-43BC-BF1D-ABBB424E1F58}" type="datetimeFigureOut">
               <a:rPr lang="en-IN" smtClean="0"/>
-              <a:t>06-11-2018</a:t>
+              <a:pPr/>
+              <a:t>08-11-2018</a:t>
             </a:fld>
             <a:endParaRPr lang="en-IN"/>
           </a:p>
@@ -1699,6 +1712,7 @@
           <a:p>
             <a:fld id="{2C9110E7-B922-4C82-8B09-FC6D1E3636C4}" type="slidenum">
               <a:rPr lang="en-IN" smtClean="0"/>
+              <a:pPr/>
               <a:t>‹#›</a:t>
             </a:fld>
             <a:endParaRPr lang="en-IN"/>
@@ -2142,7 +2156,8 @@
           <a:p>
             <a:fld id="{B52AE22E-9483-43BC-BF1D-ABBB424E1F58}" type="datetimeFigureOut">
               <a:rPr lang="en-IN" smtClean="0"/>
-              <a:t>06-11-2018</a:t>
+              <a:pPr/>
+              <a:t>08-11-2018</a:t>
             </a:fld>
             <a:endParaRPr lang="en-IN"/>
           </a:p>
@@ -2188,6 +2203,7 @@
           <a:p>
             <a:fld id="{2C9110E7-B922-4C82-8B09-FC6D1E3636C4}" type="slidenum">
               <a:rPr lang="en-IN" smtClean="0"/>
+              <a:pPr/>
               <a:t>‹#›</a:t>
             </a:fld>
             <a:endParaRPr lang="en-IN"/>
@@ -2268,7 +2284,8 @@
           <a:p>
             <a:fld id="{B52AE22E-9483-43BC-BF1D-ABBB424E1F58}" type="datetimeFigureOut">
               <a:rPr lang="en-IN" smtClean="0"/>
-              <a:t>06-11-2018</a:t>
+              <a:pPr/>
+              <a:t>08-11-2018</a:t>
             </a:fld>
             <a:endParaRPr lang="en-IN"/>
           </a:p>
@@ -2314,6 +2331,7 @@
           <a:p>
             <a:fld id="{2C9110E7-B922-4C82-8B09-FC6D1E3636C4}" type="slidenum">
               <a:rPr lang="en-IN" smtClean="0"/>
+              <a:pPr/>
               <a:t>‹#›</a:t>
             </a:fld>
             <a:endParaRPr lang="en-IN"/>
@@ -2412,7 +2430,8 @@
           <a:p>
             <a:fld id="{B52AE22E-9483-43BC-BF1D-ABBB424E1F58}" type="datetimeFigureOut">
               <a:rPr lang="en-IN" smtClean="0"/>
-              <a:t>06-11-2018</a:t>
+              <a:pPr/>
+              <a:t>08-11-2018</a:t>
             </a:fld>
             <a:endParaRPr lang="en-IN"/>
           </a:p>
@@ -2458,6 +2477,7 @@
           <a:p>
             <a:fld id="{2C9110E7-B922-4C82-8B09-FC6D1E3636C4}" type="slidenum">
               <a:rPr lang="en-IN" smtClean="0"/>
+              <a:pPr/>
               <a:t>‹#›</a:t>
             </a:fld>
             <a:endParaRPr lang="en-IN"/>
@@ -2734,7 +2754,8 @@
           <a:p>
             <a:fld id="{B52AE22E-9483-43BC-BF1D-ABBB424E1F58}" type="datetimeFigureOut">
               <a:rPr lang="en-IN" smtClean="0"/>
-              <a:t>06-11-2018</a:t>
+              <a:pPr/>
+              <a:t>08-11-2018</a:t>
             </a:fld>
             <a:endParaRPr lang="en-IN"/>
           </a:p>
@@ -2780,6 +2801,7 @@
           <a:p>
             <a:fld id="{2C9110E7-B922-4C82-8B09-FC6D1E3636C4}" type="slidenum">
               <a:rPr lang="en-IN" smtClean="0"/>
+              <a:pPr/>
               <a:t>‹#›</a:t>
             </a:fld>
             <a:endParaRPr lang="en-IN"/>
@@ -2868,7 +2890,8 @@
           <a:p>
             <a:fld id="{B52AE22E-9483-43BC-BF1D-ABBB424E1F58}" type="datetimeFigureOut">
               <a:rPr lang="en-IN" smtClean="0"/>
-              <a:t>06-11-2018</a:t>
+              <a:pPr/>
+              <a:t>08-11-2018</a:t>
             </a:fld>
             <a:endParaRPr lang="en-IN"/>
           </a:p>
@@ -2914,6 +2937,7 @@
           <a:p>
             <a:fld id="{2C9110E7-B922-4C82-8B09-FC6D1E3636C4}" type="slidenum">
               <a:rPr lang="en-IN" smtClean="0"/>
+              <a:pPr/>
               <a:t>‹#›</a:t>
             </a:fld>
             <a:endParaRPr lang="en-IN"/>
@@ -3649,7 +3673,8 @@
           <a:p>
             <a:fld id="{B52AE22E-9483-43BC-BF1D-ABBB424E1F58}" type="datetimeFigureOut">
               <a:rPr lang="en-IN" smtClean="0"/>
-              <a:t>06-11-2018</a:t>
+              <a:pPr/>
+              <a:t>08-11-2018</a:t>
             </a:fld>
             <a:endParaRPr lang="en-IN"/>
           </a:p>
@@ -3733,6 +3758,7 @@
           <a:p>
             <a:fld id="{2C9110E7-B922-4C82-8B09-FC6D1E3636C4}" type="slidenum">
               <a:rPr lang="en-IN" smtClean="0"/>
+              <a:pPr/>
               <a:t>‹#›</a:t>
             </a:fld>
             <a:endParaRPr lang="en-IN"/>
@@ -4391,7 +4417,6 @@
               <a:rPr lang="en-IN" dirty="0" smtClean="0"/>
               <a:t>.</a:t>
             </a:r>
-            <a:endParaRPr lang="en-IN" dirty="0" smtClean="0"/>
           </a:p>
         </p:txBody>
       </p:sp>
@@ -4470,7 +4495,15 @@
           <a:p>
             <a:r>
               <a:rPr lang="en-IN" dirty="0" smtClean="0"/>
-              <a:t>The above code snippet creates a connection with database “db1”.</a:t>
+              <a:t>The above code snippet creates a connection with database “db1</a:t>
+            </a:r>
+            <a:r>
+              <a:rPr lang="en-IN" dirty="0" smtClean="0"/>
+              <a:t>”.</a:t>
+            </a:r>
+            <a:r>
+              <a:rPr lang="en-IN" dirty="0" smtClean="0"/>
+              <a:t> </a:t>
             </a:r>
             <a:endParaRPr lang="en-IN" dirty="0"/>
           </a:p>
@@ -4665,6 +4698,286 @@
           <a:xfrm>
             <a:off x="1115616" y="2564904"/>
             <a:ext cx="7776864" cy="4205164"/>
+          </a:xfrm>
+          <a:prstGeom prst="rect">
+            <a:avLst/>
+          </a:prstGeom>
+          <a:noFill/>
+          <a:ln w="9525">
+            <a:noFill/>
+            <a:miter lim="800000"/>
+            <a:headEnd/>
+            <a:tailEnd/>
+          </a:ln>
+        </p:spPr>
+      </p:pic>
+    </p:spTree>
+  </p:cSld>
+  <p:clrMapOvr>
+    <a:masterClrMapping/>
+  </p:clrMapOvr>
+</p:sld>
+</file>
+
+<file path=ppt/slides/slide5.xml><?xml version="1.0" encoding="utf-8"?>
+<p:sld xmlns:a="http://schemas.openxmlformats.org/drawingml/2006/main" xmlns:r="http://schemas.openxmlformats.org/officeDocument/2006/relationships" xmlns:p="http://schemas.openxmlformats.org/presentationml/2006/main">
+  <p:cSld>
+    <p:spTree>
+      <p:nvGrpSpPr>
+        <p:cNvPr id="1" name=""/>
+        <p:cNvGrpSpPr/>
+        <p:nvPr/>
+      </p:nvGrpSpPr>
+      <p:grpSpPr>
+        <a:xfrm>
+          <a:off x="0" y="0"/>
+          <a:ext cx="0" cy="0"/>
+          <a:chOff x="0" y="0"/>
+          <a:chExt cx="0" cy="0"/>
+        </a:xfrm>
+      </p:grpSpPr>
+      <p:sp>
+        <p:nvSpPr>
+          <p:cNvPr id="2" name="Title 1"/>
+          <p:cNvSpPr>
+            <a:spLocks noGrp="1"/>
+          </p:cNvSpPr>
+          <p:nvPr>
+            <p:ph type="ctrTitle"/>
+          </p:nvPr>
+        </p:nvSpPr>
+        <p:spPr>
+          <a:xfrm>
+            <a:off x="1432560" y="359898"/>
+            <a:ext cx="7406640" cy="404806"/>
+          </a:xfrm>
+        </p:spPr>
+        <p:txBody>
+          <a:bodyPr>
+            <a:normAutofit fontScale="90000"/>
+          </a:bodyPr>
+          <a:lstStyle/>
+          <a:p>
+            <a:r>
+              <a:rPr lang="en-IN" dirty="0" smtClean="0"/>
+              <a:t>Ajax.php code explanation</a:t>
+            </a:r>
+            <a:endParaRPr lang="en-IN" dirty="0"/>
+          </a:p>
+        </p:txBody>
+      </p:sp>
+      <p:sp>
+        <p:nvSpPr>
+          <p:cNvPr id="8" name="Subtitle 7"/>
+          <p:cNvSpPr>
+            <a:spLocks noGrp="1"/>
+          </p:cNvSpPr>
+          <p:nvPr>
+            <p:ph type="subTitle" idx="1"/>
+          </p:nvPr>
+        </p:nvSpPr>
+        <p:spPr>
+          <a:xfrm>
+            <a:off x="1259632" y="4365104"/>
+            <a:ext cx="7406640" cy="2376264"/>
+          </a:xfrm>
+        </p:spPr>
+        <p:txBody>
+          <a:bodyPr>
+            <a:normAutofit/>
+          </a:bodyPr>
+          <a:lstStyle/>
+          <a:p>
+            <a:r>
+              <a:rPr lang="en-IN" sz="1800" dirty="0" smtClean="0"/>
+              <a:t>These lines of code take the value from the search box.</a:t>
+            </a:r>
+          </a:p>
+          <a:p>
+            <a:endParaRPr lang="en-IN" sz="1800" dirty="0" smtClean="0"/>
+          </a:p>
+          <a:p>
+            <a:r>
+              <a:rPr lang="en-IN" sz="1800" dirty="0" smtClean="0"/>
+              <a:t>Through the </a:t>
+            </a:r>
+            <a:r>
+              <a:rPr lang="en-IN" sz="1800" dirty="0" err="1" smtClean="0"/>
+              <a:t>sql</a:t>
+            </a:r>
+            <a:r>
+              <a:rPr lang="en-IN" sz="1800" dirty="0" smtClean="0"/>
+              <a:t> query all the results has been fetched which look like the characters typed by user in search box.</a:t>
+            </a:r>
+          </a:p>
+          <a:p>
+            <a:endParaRPr lang="en-IN" sz="1800" dirty="0" smtClean="0"/>
+          </a:p>
+          <a:p>
+            <a:r>
+              <a:rPr lang="en-IN" sz="1800" dirty="0" smtClean="0"/>
+              <a:t>f</a:t>
+            </a:r>
+            <a:r>
+              <a:rPr lang="en-IN" sz="1800" dirty="0" smtClean="0"/>
+              <a:t>ill() function is declared in script.js file.</a:t>
+            </a:r>
+            <a:endParaRPr lang="en-IN" sz="1800" dirty="0"/>
+          </a:p>
+        </p:txBody>
+      </p:sp>
+      <p:pic>
+        <p:nvPicPr>
+          <p:cNvPr id="1027" name="Picture 3"/>
+          <p:cNvPicPr>
+            <a:picLocks noChangeAspect="1" noChangeArrowheads="1"/>
+          </p:cNvPicPr>
+          <p:nvPr/>
+        </p:nvPicPr>
+        <p:blipFill>
+          <a:blip r:embed="rId2" cstate="print"/>
+          <a:srcRect/>
+          <a:stretch>
+            <a:fillRect/>
+          </a:stretch>
+        </p:blipFill>
+        <p:spPr bwMode="auto">
+          <a:xfrm>
+            <a:off x="971600" y="836712"/>
+            <a:ext cx="8172400" cy="2794000"/>
+          </a:xfrm>
+          <a:prstGeom prst="rect">
+            <a:avLst/>
+          </a:prstGeom>
+          <a:noFill/>
+          <a:ln w="9525">
+            <a:noFill/>
+            <a:miter lim="800000"/>
+            <a:headEnd/>
+            <a:tailEnd/>
+          </a:ln>
+        </p:spPr>
+      </p:pic>
+    </p:spTree>
+  </p:cSld>
+  <p:clrMapOvr>
+    <a:masterClrMapping/>
+  </p:clrMapOvr>
+</p:sld>
+</file>
+
+<file path=ppt/slides/slide6.xml><?xml version="1.0" encoding="utf-8"?>
+<p:sld xmlns:a="http://schemas.openxmlformats.org/drawingml/2006/main" xmlns:r="http://schemas.openxmlformats.org/officeDocument/2006/relationships" xmlns:p="http://schemas.openxmlformats.org/presentationml/2006/main">
+  <p:cSld>
+    <p:spTree>
+      <p:nvGrpSpPr>
+        <p:cNvPr id="1" name=""/>
+        <p:cNvGrpSpPr/>
+        <p:nvPr/>
+      </p:nvGrpSpPr>
+      <p:grpSpPr>
+        <a:xfrm>
+          <a:off x="0" y="0"/>
+          <a:ext cx="0" cy="0"/>
+          <a:chOff x="0" y="0"/>
+          <a:chExt cx="0" cy="0"/>
+        </a:xfrm>
+      </p:grpSpPr>
+      <p:sp>
+        <p:nvSpPr>
+          <p:cNvPr id="2" name="Title 1"/>
+          <p:cNvSpPr>
+            <a:spLocks noGrp="1"/>
+          </p:cNvSpPr>
+          <p:nvPr>
+            <p:ph type="ctrTitle"/>
+          </p:nvPr>
+        </p:nvSpPr>
+        <p:spPr>
+          <a:xfrm>
+            <a:off x="1432560" y="359898"/>
+            <a:ext cx="7406640" cy="548822"/>
+          </a:xfrm>
+        </p:spPr>
+        <p:txBody>
+          <a:bodyPr>
+            <a:normAutofit fontScale="90000"/>
+          </a:bodyPr>
+          <a:lstStyle/>
+          <a:p>
+            <a:r>
+              <a:rPr lang="en-IN" dirty="0" smtClean="0"/>
+              <a:t>Script.js code explained</a:t>
+            </a:r>
+            <a:endParaRPr lang="en-IN" dirty="0"/>
+          </a:p>
+        </p:txBody>
+      </p:sp>
+      <p:sp>
+        <p:nvSpPr>
+          <p:cNvPr id="5" name="Subtitle 4"/>
+          <p:cNvSpPr>
+            <a:spLocks noGrp="1"/>
+          </p:cNvSpPr>
+          <p:nvPr>
+            <p:ph type="subTitle" idx="1"/>
+          </p:nvPr>
+        </p:nvSpPr>
+        <p:spPr>
+          <a:xfrm>
+            <a:off x="1259632" y="4653136"/>
+            <a:ext cx="7406640" cy="2448272"/>
+          </a:xfrm>
+        </p:spPr>
+        <p:txBody>
+          <a:bodyPr>
+            <a:normAutofit/>
+          </a:bodyPr>
+          <a:lstStyle/>
+          <a:p>
+            <a:r>
+              <a:rPr lang="en-IN" sz="2000" dirty="0" smtClean="0"/>
+              <a:t>Fill function contains two </a:t>
+            </a:r>
+            <a:r>
+              <a:rPr lang="en-IN" sz="2000" dirty="0" err="1" smtClean="0"/>
+              <a:t>jquery</a:t>
+            </a:r>
+            <a:r>
+              <a:rPr lang="en-IN" sz="2000" dirty="0" smtClean="0"/>
+              <a:t> functions for id’s search and display which assign value to search div and hide the display div in search.php</a:t>
+            </a:r>
+          </a:p>
+          <a:p>
+            <a:r>
+              <a:rPr lang="en-IN" sz="2000" dirty="0" smtClean="0"/>
+              <a:t>Comments in code snippet explain each line of code briefly.</a:t>
+            </a:r>
+            <a:endParaRPr lang="en-IN" sz="2000" dirty="0"/>
+          </a:p>
+        </p:txBody>
+      </p:sp>
+      <p:pic>
+        <p:nvPicPr>
+          <p:cNvPr id="2050" name="Picture 2"/>
+          <p:cNvPicPr>
+            <a:picLocks noGrp="1" noChangeAspect="1" noChangeArrowheads="1"/>
+          </p:cNvPicPr>
+          <p:nvPr>
+            <p:ph idx="4294967295"/>
+          </p:nvPr>
+        </p:nvPicPr>
+        <p:blipFill>
+          <a:blip r:embed="rId2" cstate="print"/>
+          <a:srcRect/>
+          <a:stretch>
+            <a:fillRect/>
+          </a:stretch>
+        </p:blipFill>
+        <p:spPr bwMode="auto">
+          <a:xfrm>
+            <a:off x="1259632" y="908720"/>
+            <a:ext cx="7705725" cy="3527425"/>
           </a:xfrm>
           <a:prstGeom prst="rect">
             <a:avLst/>
